--- a/documentation/presentations/woweb_schmucki_villing_zellweger_tech_stack.pptx
+++ b/documentation/presentations/woweb_schmucki_villing_zellweger_tech_stack.pptx
@@ -7,8 +7,8 @@
   <p:sldIdLst>
     <p:sldId id="256" r:id="rId2"/>
     <p:sldId id="260" r:id="rId3"/>
-    <p:sldId id="257" r:id="rId4"/>
-    <p:sldId id="258" r:id="rId5"/>
+    <p:sldId id="258" r:id="rId4"/>
+    <p:sldId id="257" r:id="rId5"/>
     <p:sldId id="259" r:id="rId6"/>
     <p:sldId id="261" r:id="rId7"/>
     <p:sldId id="262" r:id="rId8"/>
@@ -111,6 +111,11 @@
       </a:defRPr>
     </a:lvl9pPr>
   </p:defaultTextStyle>
+  <p:extLst>
+    <p:ext uri="{EFAFB233-063F-42B5-8137-9DF3F51BA10A}">
+      <p15:sldGuideLst xmlns:p15="http://schemas.microsoft.com/office/powerpoint/2012/main"/>
+    </p:ext>
+  </p:extLst>
 </p:presentation>
 </file>
 
@@ -263,7 +268,7 @@
           <a:p>
             <a:fld id="{BAA86FE8-261A-4216-8816-A0317DCAB8C9}" type="datetimeFigureOut">
               <a:rPr lang="en-CH" smtClean="0"/>
-              <a:t>06/03/2022</a:t>
+              <a:t>03/07/2022</a:t>
             </a:fld>
             <a:endParaRPr lang="en-CH"/>
           </a:p>
@@ -463,7 +468,7 @@
           <a:p>
             <a:fld id="{BAA86FE8-261A-4216-8816-A0317DCAB8C9}" type="datetimeFigureOut">
               <a:rPr lang="en-CH" smtClean="0"/>
-              <a:t>06/03/2022</a:t>
+              <a:t>03/07/2022</a:t>
             </a:fld>
             <a:endParaRPr lang="en-CH"/>
           </a:p>
@@ -673,7 +678,7 @@
           <a:p>
             <a:fld id="{BAA86FE8-261A-4216-8816-A0317DCAB8C9}" type="datetimeFigureOut">
               <a:rPr lang="en-CH" smtClean="0"/>
-              <a:t>06/03/2022</a:t>
+              <a:t>03/07/2022</a:t>
             </a:fld>
             <a:endParaRPr lang="en-CH"/>
           </a:p>
@@ -873,7 +878,7 @@
           <a:p>
             <a:fld id="{BAA86FE8-261A-4216-8816-A0317DCAB8C9}" type="datetimeFigureOut">
               <a:rPr lang="en-CH" smtClean="0"/>
-              <a:t>06/03/2022</a:t>
+              <a:t>03/07/2022</a:t>
             </a:fld>
             <a:endParaRPr lang="en-CH"/>
           </a:p>
@@ -1149,7 +1154,7 @@
           <a:p>
             <a:fld id="{BAA86FE8-261A-4216-8816-A0317DCAB8C9}" type="datetimeFigureOut">
               <a:rPr lang="en-CH" smtClean="0"/>
-              <a:t>06/03/2022</a:t>
+              <a:t>03/07/2022</a:t>
             </a:fld>
             <a:endParaRPr lang="en-CH"/>
           </a:p>
@@ -1417,7 +1422,7 @@
           <a:p>
             <a:fld id="{BAA86FE8-261A-4216-8816-A0317DCAB8C9}" type="datetimeFigureOut">
               <a:rPr lang="en-CH" smtClean="0"/>
-              <a:t>06/03/2022</a:t>
+              <a:t>03/07/2022</a:t>
             </a:fld>
             <a:endParaRPr lang="en-CH"/>
           </a:p>
@@ -1832,7 +1837,7 @@
           <a:p>
             <a:fld id="{BAA86FE8-261A-4216-8816-A0317DCAB8C9}" type="datetimeFigureOut">
               <a:rPr lang="en-CH" smtClean="0"/>
-              <a:t>06/03/2022</a:t>
+              <a:t>03/07/2022</a:t>
             </a:fld>
             <a:endParaRPr lang="en-CH"/>
           </a:p>
@@ -1974,7 +1979,7 @@
           <a:p>
             <a:fld id="{BAA86FE8-261A-4216-8816-A0317DCAB8C9}" type="datetimeFigureOut">
               <a:rPr lang="en-CH" smtClean="0"/>
-              <a:t>06/03/2022</a:t>
+              <a:t>03/07/2022</a:t>
             </a:fld>
             <a:endParaRPr lang="en-CH"/>
           </a:p>
@@ -2087,7 +2092,7 @@
           <a:p>
             <a:fld id="{BAA86FE8-261A-4216-8816-A0317DCAB8C9}" type="datetimeFigureOut">
               <a:rPr lang="en-CH" smtClean="0"/>
-              <a:t>06/03/2022</a:t>
+              <a:t>03/07/2022</a:t>
             </a:fld>
             <a:endParaRPr lang="en-CH"/>
           </a:p>
@@ -2400,7 +2405,7 @@
           <a:p>
             <a:fld id="{BAA86FE8-261A-4216-8816-A0317DCAB8C9}" type="datetimeFigureOut">
               <a:rPr lang="en-CH" smtClean="0"/>
-              <a:t>06/03/2022</a:t>
+              <a:t>03/07/2022</a:t>
             </a:fld>
             <a:endParaRPr lang="en-CH"/>
           </a:p>
@@ -2689,7 +2694,7 @@
           <a:p>
             <a:fld id="{BAA86FE8-261A-4216-8816-A0317DCAB8C9}" type="datetimeFigureOut">
               <a:rPr lang="en-CH" smtClean="0"/>
-              <a:t>06/03/2022</a:t>
+              <a:t>03/07/2022</a:t>
             </a:fld>
             <a:endParaRPr lang="en-CH"/>
           </a:p>
@@ -2932,7 +2937,7 @@
           <a:p>
             <a:fld id="{BAA86FE8-261A-4216-8816-A0317DCAB8C9}" type="datetimeFigureOut">
               <a:rPr lang="en-CH" smtClean="0"/>
-              <a:t>06/03/2022</a:t>
+              <a:t>03/07/2022</a:t>
             </a:fld>
             <a:endParaRPr lang="en-CH"/>
           </a:p>
@@ -3509,6 +3514,42 @@
           </a:xfrm>
         </p:spPr>
       </p:pic>
+      <p:pic>
+        <p:nvPicPr>
+          <p:cNvPr id="4" name="Grafik 3">
+            <a:extLst>
+              <a:ext uri="{FF2B5EF4-FFF2-40B4-BE49-F238E27FC236}">
+                <a16:creationId xmlns:a16="http://schemas.microsoft.com/office/drawing/2014/main" id="{BE5A0CAE-08EB-4217-B6FD-1688B9D598E1}"/>
+              </a:ext>
+            </a:extLst>
+          </p:cNvPr>
+          <p:cNvPicPr>
+            <a:picLocks noChangeAspect="1"/>
+          </p:cNvPicPr>
+          <p:nvPr/>
+        </p:nvPicPr>
+        <p:blipFill>
+          <a:blip r:embed="rId3">
+            <a:extLst>
+              <a:ext uri="{28A0092B-C50C-407E-A947-70E740481C1C}">
+                <a14:useLocalDpi xmlns:a14="http://schemas.microsoft.com/office/drawing/2010/main" val="0"/>
+              </a:ext>
+            </a:extLst>
+          </a:blip>
+          <a:stretch>
+            <a:fillRect/>
+          </a:stretch>
+        </p:blipFill>
+        <p:spPr>
+          <a:xfrm>
+            <a:off x="7418481" y="1350929"/>
+            <a:ext cx="2364846" cy="1110376"/>
+          </a:xfrm>
+          <a:prstGeom prst="rect">
+            <a:avLst/>
+          </a:prstGeom>
+        </p:spPr>
+      </p:pic>
     </p:spTree>
     <p:extLst>
       <p:ext uri="{BB962C8B-B14F-4D97-AF65-F5344CB8AC3E}">
@@ -3544,7 +3585,7 @@
           <p:cNvPr id="2" name="Titel 1">
             <a:extLst>
               <a:ext uri="{FF2B5EF4-FFF2-40B4-BE49-F238E27FC236}">
-                <a16:creationId xmlns:a16="http://schemas.microsoft.com/office/drawing/2014/main" id="{214C941F-9B37-4391-9FD4-C21F37AF699A}"/>
+                <a16:creationId xmlns:a16="http://schemas.microsoft.com/office/drawing/2014/main" id="{1CA00FAF-24F2-4BE9-8D2D-7A5BBF7030A4}"/>
               </a:ext>
             </a:extLst>
           </p:cNvPr>
@@ -3562,7 +3603,7 @@
           <a:p>
             <a:r>
               <a:rPr lang="en-GB" dirty="0"/>
-              <a:t>Backend</a:t>
+              <a:t>Frontend</a:t>
             </a:r>
             <a:endParaRPr lang="en-CH" dirty="0"/>
           </a:p>
@@ -3573,7 +3614,7 @@
           <p:cNvPr id="3" name="Inhaltsplatzhalter 2">
             <a:extLst>
               <a:ext uri="{FF2B5EF4-FFF2-40B4-BE49-F238E27FC236}">
-                <a16:creationId xmlns:a16="http://schemas.microsoft.com/office/drawing/2014/main" id="{13108007-8E98-4E56-8816-6A08014FAF61}"/>
+                <a16:creationId xmlns:a16="http://schemas.microsoft.com/office/drawing/2014/main" id="{85159650-022B-4794-BB4F-B67BCBDBEBA5}"/>
               </a:ext>
             </a:extLst>
           </p:cNvPr>
@@ -3591,85 +3632,64 @@
           <a:p>
             <a:r>
               <a:rPr lang="en-GB" dirty="0"/>
-              <a:t>Spring </a:t>
-            </a:r>
+              <a:t>React</a:t>
+            </a:r>
+          </a:p>
+          <a:p>
+            <a:pPr lvl="1"/>
+            <a:r>
+              <a:rPr lang="en-GB" dirty="0"/>
+              <a:t>Functional Components</a:t>
+            </a:r>
+          </a:p>
+          <a:p>
+            <a:pPr lvl="1"/>
+            <a:r>
+              <a:rPr lang="en-GB" dirty="0"/>
+              <a:t>Streams und REST</a:t>
+            </a:r>
+          </a:p>
+          <a:p>
+            <a:pPr lvl="1"/>
             <a:r>
               <a:rPr lang="en-GB" dirty="0" err="1"/>
-              <a:t>WebFlux</a:t>
+              <a:t>Eines</a:t>
+            </a:r>
+            <a:r>
+              <a:rPr lang="en-GB" dirty="0"/>
+              <a:t> der </a:t>
+            </a:r>
+            <a:r>
+              <a:rPr lang="en-GB" dirty="0" err="1"/>
+              <a:t>beliebtesten</a:t>
+            </a:r>
+            <a:r>
+              <a:rPr lang="en-GB" dirty="0"/>
+              <a:t> Frameworks</a:t>
+            </a:r>
+          </a:p>
+          <a:p>
+            <a:pPr lvl="1"/>
+            <a:r>
+              <a:rPr lang="en-GB" dirty="0" err="1"/>
+              <a:t>Durch</a:t>
+            </a:r>
+            <a:r>
+              <a:rPr lang="en-GB" dirty="0"/>
+              <a:t> FHNW </a:t>
+            </a:r>
+            <a:r>
+              <a:rPr lang="en-GB" dirty="0" err="1"/>
+              <a:t>bekannt</a:t>
             </a:r>
             <a:endParaRPr lang="en-GB" dirty="0"/>
           </a:p>
           <a:p>
             <a:pPr lvl="1"/>
             <a:r>
-              <a:rPr lang="en-GB" dirty="0"/>
-              <a:t>HTTP-Event Streams</a:t>
-            </a:r>
-          </a:p>
-          <a:p>
-            <a:pPr lvl="1"/>
-            <a:r>
               <a:rPr lang="en-GB" dirty="0" err="1"/>
-              <a:t>Läuft</a:t>
-            </a:r>
-            <a:r>
-              <a:rPr lang="en-GB" dirty="0"/>
-              <a:t> auf der JVM</a:t>
-            </a:r>
-          </a:p>
-          <a:p>
-            <a:pPr lvl="1"/>
-            <a:r>
-              <a:rPr lang="en-GB" dirty="0"/>
-              <a:t>Non-blocking</a:t>
-            </a:r>
-          </a:p>
-          <a:p>
-            <a:pPr lvl="1"/>
-            <a:r>
-              <a:rPr lang="en-GB" dirty="0"/>
-              <a:t>Command Pattern</a:t>
-            </a:r>
-          </a:p>
-          <a:p>
-            <a:r>
-              <a:rPr lang="en-GB" dirty="0"/>
-              <a:t>Kotlin</a:t>
-            </a:r>
-          </a:p>
-          <a:p>
-            <a:pPr lvl="1"/>
-            <a:r>
-              <a:rPr lang="en-GB" dirty="0" err="1"/>
-              <a:t>Wenig</a:t>
-            </a:r>
-            <a:r>
-              <a:rPr lang="en-GB" dirty="0"/>
-              <a:t> </a:t>
-            </a:r>
-            <a:r>
-              <a:rPr lang="en-GB" dirty="0" err="1"/>
-              <a:t>Erfahrung</a:t>
-            </a:r>
-            <a:endParaRPr lang="en-GB" dirty="0"/>
-          </a:p>
-          <a:p>
-            <a:pPr lvl="1"/>
-            <a:r>
-              <a:rPr lang="en-GB" dirty="0"/>
-              <a:t>Features (Null Safety, </a:t>
-            </a:r>
-            <a:r>
-              <a:rPr lang="en-GB" dirty="0" err="1"/>
-              <a:t>kein</a:t>
-            </a:r>
-            <a:r>
-              <a:rPr lang="en-GB" dirty="0"/>
-              <a:t> Boilerplate Code, …)</a:t>
-            </a:r>
-          </a:p>
-          <a:p>
-            <a:pPr lvl="1"/>
+              <a:t>Verbesserungspotential</a:t>
+            </a:r>
             <a:endParaRPr lang="en-GB" dirty="0"/>
           </a:p>
         </p:txBody>
@@ -3677,7 +3697,7 @@
     </p:spTree>
     <p:extLst>
       <p:ext uri="{BB962C8B-B14F-4D97-AF65-F5344CB8AC3E}">
-        <p14:creationId xmlns:p14="http://schemas.microsoft.com/office/powerpoint/2010/main" val="708557484"/>
+        <p14:creationId xmlns:p14="http://schemas.microsoft.com/office/powerpoint/2010/main" val="2315555059"/>
       </p:ext>
     </p:extLst>
   </p:cSld>
@@ -3709,7 +3729,7 @@
           <p:cNvPr id="2" name="Titel 1">
             <a:extLst>
               <a:ext uri="{FF2B5EF4-FFF2-40B4-BE49-F238E27FC236}">
-                <a16:creationId xmlns:a16="http://schemas.microsoft.com/office/drawing/2014/main" id="{1CA00FAF-24F2-4BE9-8D2D-7A5BBF7030A4}"/>
+                <a16:creationId xmlns:a16="http://schemas.microsoft.com/office/drawing/2014/main" id="{214C941F-9B37-4391-9FD4-C21F37AF699A}"/>
               </a:ext>
             </a:extLst>
           </p:cNvPr>
@@ -3727,7 +3747,7 @@
           <a:p>
             <a:r>
               <a:rPr lang="en-GB" dirty="0"/>
-              <a:t>Frontend</a:t>
+              <a:t>Backend</a:t>
             </a:r>
             <a:endParaRPr lang="en-CH" dirty="0"/>
           </a:p>
@@ -3738,7 +3758,7 @@
           <p:cNvPr id="3" name="Inhaltsplatzhalter 2">
             <a:extLst>
               <a:ext uri="{FF2B5EF4-FFF2-40B4-BE49-F238E27FC236}">
-                <a16:creationId xmlns:a16="http://schemas.microsoft.com/office/drawing/2014/main" id="{85159650-022B-4794-BB4F-B67BCBDBEBA5}"/>
+                <a16:creationId xmlns:a16="http://schemas.microsoft.com/office/drawing/2014/main" id="{13108007-8E98-4E56-8816-6A08014FAF61}"/>
               </a:ext>
             </a:extLst>
           </p:cNvPr>
@@ -3756,64 +3776,85 @@
           <a:p>
             <a:r>
               <a:rPr lang="en-GB" dirty="0"/>
-              <a:t>React</a:t>
-            </a:r>
+              <a:t>Spring </a:t>
+            </a:r>
+            <a:r>
+              <a:rPr lang="en-GB" dirty="0" err="1"/>
+              <a:t>WebFlux</a:t>
+            </a:r>
+            <a:endParaRPr lang="en-GB" dirty="0"/>
           </a:p>
           <a:p>
             <a:pPr lvl="1"/>
             <a:r>
               <a:rPr lang="en-GB" dirty="0"/>
-              <a:t>Functional Components</a:t>
+              <a:t>HTTP-Event Streams</a:t>
             </a:r>
           </a:p>
           <a:p>
             <a:pPr lvl="1"/>
             <a:r>
+              <a:rPr lang="en-GB" dirty="0" err="1"/>
+              <a:t>Läuft</a:t>
+            </a:r>
+            <a:r>
               <a:rPr lang="en-GB" dirty="0"/>
-              <a:t>Streams und REST</a:t>
+              <a:t> auf der JVM</a:t>
             </a:r>
           </a:p>
           <a:p>
             <a:pPr lvl="1"/>
             <a:r>
+              <a:rPr lang="en-GB" dirty="0"/>
+              <a:t>Non-blocking</a:t>
+            </a:r>
+          </a:p>
+          <a:p>
+            <a:pPr lvl="1"/>
+            <a:r>
+              <a:rPr lang="en-GB" dirty="0"/>
+              <a:t>Command Pattern</a:t>
+            </a:r>
+          </a:p>
+          <a:p>
+            <a:r>
+              <a:rPr lang="en-GB" dirty="0"/>
+              <a:t>Kotlin</a:t>
+            </a:r>
+          </a:p>
+          <a:p>
+            <a:pPr lvl="1"/>
+            <a:r>
               <a:rPr lang="en-GB" dirty="0" err="1"/>
-              <a:t>Eines</a:t>
+              <a:t>Wenig</a:t>
             </a:r>
             <a:r>
               <a:rPr lang="en-GB" dirty="0"/>
-              <a:t> der </a:t>
+              <a:t> </a:t>
             </a:r>
             <a:r>
               <a:rPr lang="en-GB" dirty="0" err="1"/>
-              <a:t>beliebtesten</a:t>
-            </a:r>
+              <a:t>Erfahrung</a:t>
+            </a:r>
+            <a:endParaRPr lang="en-GB" dirty="0"/>
+          </a:p>
+          <a:p>
+            <a:pPr lvl="1"/>
             <a:r>
               <a:rPr lang="en-GB" dirty="0"/>
-              <a:t> Frameworks</a:t>
+              <a:t>Features (Null Safety, </a:t>
+            </a:r>
+            <a:r>
+              <a:rPr lang="en-GB" dirty="0" err="1"/>
+              <a:t>kein</a:t>
+            </a:r>
+            <a:r>
+              <a:rPr lang="en-GB" dirty="0"/>
+              <a:t> Boilerplate Code, …)</a:t>
             </a:r>
           </a:p>
           <a:p>
             <a:pPr lvl="1"/>
-            <a:r>
-              <a:rPr lang="en-GB" dirty="0" err="1"/>
-              <a:t>Durch</a:t>
-            </a:r>
-            <a:r>
-              <a:rPr lang="en-GB" dirty="0"/>
-              <a:t> FHNW </a:t>
-            </a:r>
-            <a:r>
-              <a:rPr lang="en-GB" dirty="0" err="1"/>
-              <a:t>bekannt</a:t>
-            </a:r>
-            <a:endParaRPr lang="en-GB" dirty="0"/>
-          </a:p>
-          <a:p>
-            <a:pPr lvl="1"/>
-            <a:r>
-              <a:rPr lang="en-GB" dirty="0" err="1"/>
-              <a:t>Verbesserungspotential</a:t>
-            </a:r>
             <a:endParaRPr lang="en-GB" dirty="0"/>
           </a:p>
         </p:txBody>
@@ -3821,7 +3862,7 @@
     </p:spTree>
     <p:extLst>
       <p:ext uri="{BB962C8B-B14F-4D97-AF65-F5344CB8AC3E}">
-        <p14:creationId xmlns:p14="http://schemas.microsoft.com/office/powerpoint/2010/main" val="2315555059"/>
+        <p14:creationId xmlns:p14="http://schemas.microsoft.com/office/powerpoint/2010/main" val="708557484"/>
       </p:ext>
     </p:extLst>
   </p:cSld>
@@ -3957,6 +3998,13 @@
               <a:t>kompatibel</a:t>
             </a:r>
             <a:endParaRPr lang="en-GB" dirty="0"/>
+          </a:p>
+          <a:p>
+            <a:pPr lvl="1"/>
+            <a:r>
+              <a:rPr lang="en-GB" dirty="0"/>
+              <a:t>Reactive Support</a:t>
+            </a:r>
           </a:p>
           <a:p>
             <a:pPr lvl="1"/>
@@ -4058,6 +4106,58 @@
           </a:xfrm>
         </p:spPr>
       </p:pic>
+      <p:sp>
+        <p:nvSpPr>
+          <p:cNvPr id="3" name="Rechteck 2">
+            <a:extLst>
+              <a:ext uri="{FF2B5EF4-FFF2-40B4-BE49-F238E27FC236}">
+                <a16:creationId xmlns:a16="http://schemas.microsoft.com/office/drawing/2014/main" id="{8CE9C28A-462E-4B87-A00B-22BCBA681630}"/>
+              </a:ext>
+            </a:extLst>
+          </p:cNvPr>
+          <p:cNvSpPr/>
+          <p:nvPr/>
+        </p:nvSpPr>
+        <p:spPr>
+          <a:xfrm>
+            <a:off x="5570883" y="4994413"/>
+            <a:ext cx="1108213" cy="854765"/>
+          </a:xfrm>
+          <a:prstGeom prst="rect">
+            <a:avLst/>
+          </a:prstGeom>
+          <a:solidFill>
+            <a:schemeClr val="bg1"/>
+          </a:solidFill>
+          <a:ln>
+            <a:noFill/>
+          </a:ln>
+        </p:spPr>
+        <p:style>
+          <a:lnRef idx="2">
+            <a:schemeClr val="accent1">
+              <a:shade val="50000"/>
+            </a:schemeClr>
+          </a:lnRef>
+          <a:fillRef idx="1">
+            <a:schemeClr val="accent1"/>
+          </a:fillRef>
+          <a:effectRef idx="0">
+            <a:schemeClr val="accent1"/>
+          </a:effectRef>
+          <a:fontRef idx="minor">
+            <a:schemeClr val="lt1"/>
+          </a:fontRef>
+        </p:style>
+        <p:txBody>
+          <a:bodyPr rtlCol="0" anchor="ctr"/>
+          <a:lstStyle/>
+          <a:p>
+            <a:pPr algn="ctr"/>
+            <a:endParaRPr lang="de-CH"/>
+          </a:p>
+        </p:txBody>
+      </p:sp>
     </p:spTree>
     <p:extLst>
       <p:ext uri="{BB962C8B-B14F-4D97-AF65-F5344CB8AC3E}">
